--- a/ppt/Gentle-Intro-to-Statistics.pptx
+++ b/ppt/Gentle-Intro-to-Statistics.pptx
@@ -5,10 +5,10 @@
     <p:sldMasterId id="2147483648" r:id="rId1"/>
   </p:sldMasterIdLst>
   <p:notesMasterIdLst>
-    <p:notesMasterId r:id="rId15"/>
+    <p:notesMasterId r:id="rId19"/>
   </p:notesMasterIdLst>
   <p:handoutMasterIdLst>
-    <p:handoutMasterId r:id="rId16"/>
+    <p:handoutMasterId r:id="rId20"/>
   </p:handoutMasterIdLst>
   <p:sldIdLst>
     <p:sldId id="295" r:id="rId2"/>
@@ -23,7 +23,11 @@
     <p:sldId id="303" r:id="rId11"/>
     <p:sldId id="305" r:id="rId12"/>
     <p:sldId id="310" r:id="rId13"/>
-    <p:sldId id="304" r:id="rId14"/>
+    <p:sldId id="312" r:id="rId14"/>
+    <p:sldId id="313" r:id="rId15"/>
+    <p:sldId id="314" r:id="rId16"/>
+    <p:sldId id="311" r:id="rId17"/>
+    <p:sldId id="304" r:id="rId18"/>
   </p:sldIdLst>
   <p:sldSz cx="12192000" cy="6858000"/>
   <p:notesSz cx="6858000" cy="9144000"/>
@@ -143,6 +147,18 @@
             <p14:sldId id="303"/>
             <p14:sldId id="305"/>
             <p14:sldId id="310"/>
+          </p14:sldIdLst>
+        </p14:section>
+        <p14:section name="Descriptive Statistics" id="{CDE6E839-173D-CD4C-BD83-E4C2471C841B}">
+          <p14:sldIdLst>
+            <p14:sldId id="312"/>
+            <p14:sldId id="313"/>
+            <p14:sldId id="314"/>
+          </p14:sldIdLst>
+        </p14:section>
+        <p14:section name="Critical thinkin" id="{8A6AEE1B-D868-B844-B497-CBEE94D8A300}">
+          <p14:sldIdLst>
+            <p14:sldId id="311"/>
             <p14:sldId id="304"/>
           </p14:sldIdLst>
         </p14:section>
@@ -3402,7 +3418,7 @@
           <a:p>
             <a:fld id="{412A36AD-C140-47B5-A0AA-2808AF1C1C9D}" type="datetimeFigureOut">
               <a:rPr lang="en-AU" smtClean="0"/>
-              <a:t>30/3/2023</a:t>
+              <a:t>3/4/2023</a:t>
             </a:fld>
             <a:endParaRPr lang="en-AU"/>
           </a:p>
@@ -3567,7 +3583,7 @@
           <a:p>
             <a:fld id="{2763829E-EB69-4A98-9D54-8D6822520B27}" type="datetimeFigureOut">
               <a:rPr lang="en-AU" smtClean="0"/>
-              <a:t>30/3/2023</a:t>
+              <a:t>3/4/2023</a:t>
             </a:fld>
             <a:endParaRPr lang="en-AU"/>
           </a:p>
@@ -3866,7 +3882,7 @@
         </p:nvSpPr>
         <p:spPr>
           <a:xfrm>
-            <a:off x="1" y="184205"/>
+            <a:off x="1" y="0"/>
             <a:ext cx="12191999" cy="6858000"/>
           </a:xfrm>
           <a:prstGeom prst="rect">
@@ -14872,7 +14888,7 @@
           <p:cNvPr id="2" name="Content Placeholder 1">
             <a:extLst>
               <a:ext uri="{FF2B5EF4-FFF2-40B4-BE49-F238E27FC236}">
-                <a16:creationId xmlns:a16="http://schemas.microsoft.com/office/drawing/2014/main" id="{FE606215-910F-73DB-224D-60EEF77F96EE}"/>
+                <a16:creationId xmlns:a16="http://schemas.microsoft.com/office/drawing/2014/main" id="{78288A6B-932A-EC6B-6902-3B5BF5F58962}"/>
               </a:ext>
             </a:extLst>
           </p:cNvPr>
@@ -14892,31 +14908,27 @@
               <a:buNone/>
             </a:pPr>
             <a:r>
-              <a:rPr lang="en-US" dirty="0"/>
-              <a:t>Upton, G., &amp; Cook, I. (2008). </a:t>
-            </a:r>
-            <a:r>
-              <a:rPr lang="en-US" i="1" dirty="0"/>
-              <a:t>A dictionary of statistics</a:t>
-            </a:r>
-            <a:r>
-              <a:rPr lang="en-US" dirty="0"/>
-              <a:t>. Oxford University Press. DOI: 10.1093/</a:t>
-            </a:r>
-            <a:r>
-              <a:rPr lang="en-US" dirty="0" err="1"/>
-              <a:t>acref</a:t>
-            </a:r>
-            <a:r>
-              <a:rPr lang="en-US" dirty="0"/>
-              <a:t>/9780199541454.001.000</a:t>
+              <a:rPr lang="en-US" dirty="0">
+                <a:latin typeface="National 2 Medium" panose="020B0504030502020203" pitchFamily="34" charset="77"/>
+              </a:rPr>
+              <a:t>Activity:</a:t>
             </a:r>
           </a:p>
           <a:p>
             <a:pPr marL="0" indent="0">
               <a:buNone/>
             </a:pPr>
-            <a:endParaRPr lang="en-US" dirty="0"/>
+            <a:r>
+              <a:rPr lang="en-US" dirty="0"/>
+              <a:t>We want to statistically describe the population of people at Dartmouth to a machine learning model.</a:t>
+            </a:r>
+          </a:p>
+          <a:p>
+            <a:pPr marL="457200" indent="-457200"/>
+            <a:r>
+              <a:rPr lang="en-US" dirty="0"/>
+              <a:t>Pair up and identify some variables that might help us do that</a:t>
+            </a:r>
           </a:p>
         </p:txBody>
       </p:sp>
@@ -14925,7 +14937,555 @@
           <p:cNvPr id="3" name="Title 2">
             <a:extLst>
               <a:ext uri="{FF2B5EF4-FFF2-40B4-BE49-F238E27FC236}">
-                <a16:creationId xmlns:a16="http://schemas.microsoft.com/office/drawing/2014/main" id="{3A8EF9BF-73F0-4A95-2839-CF0DEC25FA70}"/>
+                <a16:creationId xmlns:a16="http://schemas.microsoft.com/office/drawing/2014/main" id="{3932F072-6E27-4843-A799-AF3DE0A418CF}"/>
+              </a:ext>
+            </a:extLst>
+          </p:cNvPr>
+          <p:cNvSpPr>
+            <a:spLocks noGrp="1"/>
+          </p:cNvSpPr>
+          <p:nvPr>
+            <p:ph type="title"/>
+          </p:nvPr>
+        </p:nvSpPr>
+        <p:spPr/>
+        <p:txBody>
+          <a:bodyPr>
+            <a:normAutofit fontScale="90000"/>
+          </a:bodyPr>
+          <a:lstStyle/>
+          <a:p>
+            <a:r>
+              <a:rPr lang="en-US" dirty="0">
+                <a:solidFill>
+                  <a:schemeClr val="accent6">
+                    <a:lumMod val="75000"/>
+                  </a:schemeClr>
+                </a:solidFill>
+              </a:rPr>
+              <a:t>Descriptive Statistics</a:t>
+            </a:r>
+            <a:br>
+              <a:rPr lang="en-US" dirty="0"/>
+            </a:br>
+            <a:r>
+              <a:rPr lang="en-US" dirty="0"/>
+              <a:t>Types of data</a:t>
+            </a:r>
+          </a:p>
+        </p:txBody>
+      </p:sp>
+      <p:sp>
+        <p:nvSpPr>
+          <p:cNvPr id="4" name="Footer Placeholder 3">
+            <a:extLst>
+              <a:ext uri="{FF2B5EF4-FFF2-40B4-BE49-F238E27FC236}">
+                <a16:creationId xmlns:a16="http://schemas.microsoft.com/office/drawing/2014/main" id="{974EAD2C-54F6-6C0B-8AB1-D32E31128C23}"/>
+              </a:ext>
+            </a:extLst>
+          </p:cNvPr>
+          <p:cNvSpPr>
+            <a:spLocks noGrp="1"/>
+          </p:cNvSpPr>
+          <p:nvPr>
+            <p:ph type="ftr" sz="quarter" idx="12"/>
+          </p:nvPr>
+        </p:nvSpPr>
+        <p:spPr/>
+        <p:txBody>
+          <a:bodyPr/>
+          <a:lstStyle/>
+          <a:p>
+            <a:r>
+              <a:rPr lang="en-AU"/>
+              <a:t>Gentle Introduction to Machine Learning: Statistics</a:t>
+            </a:r>
+            <a:endParaRPr lang="en-AU" dirty="0"/>
+          </a:p>
+        </p:txBody>
+      </p:sp>
+      <p:sp>
+        <p:nvSpPr>
+          <p:cNvPr id="5" name="Slide Number Placeholder 4">
+            <a:extLst>
+              <a:ext uri="{FF2B5EF4-FFF2-40B4-BE49-F238E27FC236}">
+                <a16:creationId xmlns:a16="http://schemas.microsoft.com/office/drawing/2014/main" id="{04737718-E1E9-7DF8-6232-C42D734D14D6}"/>
+              </a:ext>
+            </a:extLst>
+          </p:cNvPr>
+          <p:cNvSpPr>
+            <a:spLocks noGrp="1"/>
+          </p:cNvSpPr>
+          <p:nvPr>
+            <p:ph type="sldNum" sz="quarter" idx="13"/>
+          </p:nvPr>
+        </p:nvSpPr>
+        <p:spPr/>
+        <p:txBody>
+          <a:bodyPr/>
+          <a:lstStyle/>
+          <a:p>
+            <a:fld id="{E917DE0E-AFB1-41FD-BC35-27DB61CA125F}" type="slidenum">
+              <a:rPr lang="en-AU" smtClean="0"/>
+              <a:pPr/>
+              <a:t>13</a:t>
+            </a:fld>
+            <a:endParaRPr lang="en-AU" dirty="0"/>
+          </a:p>
+        </p:txBody>
+      </p:sp>
+    </p:spTree>
+    <p:extLst>
+      <p:ext uri="{BB962C8B-B14F-4D97-AF65-F5344CB8AC3E}">
+        <p14:creationId xmlns:p14="http://schemas.microsoft.com/office/powerpoint/2010/main" val="2691421580"/>
+      </p:ext>
+    </p:extLst>
+  </p:cSld>
+  <p:clrMapOvr>
+    <a:masterClrMapping/>
+  </p:clrMapOvr>
+  <mc:AlternateContent xmlns:mc="http://schemas.openxmlformats.org/markup-compatibility/2006" xmlns:p14="http://schemas.microsoft.com/office/powerpoint/2010/main">
+    <mc:Choice Requires="p14">
+      <p:transition spd="med" p14:dur="700">
+        <p:fade/>
+      </p:transition>
+    </mc:Choice>
+    <mc:Fallback xmlns="">
+      <p:transition spd="med">
+        <p:fade/>
+      </p:transition>
+    </mc:Fallback>
+  </mc:AlternateContent>
+</p:sld>
+</file>
+
+<file path=ppt/slides/slide14.xml><?xml version="1.0" encoding="utf-8"?>
+<p:sld xmlns:a="http://schemas.openxmlformats.org/drawingml/2006/main" xmlns:r="http://schemas.openxmlformats.org/officeDocument/2006/relationships" xmlns:p="http://schemas.openxmlformats.org/presentationml/2006/main">
+  <p:cSld>
+    <p:spTree>
+      <p:nvGrpSpPr>
+        <p:cNvPr id="1" name=""/>
+        <p:cNvGrpSpPr/>
+        <p:nvPr/>
+      </p:nvGrpSpPr>
+      <p:grpSpPr>
+        <a:xfrm>
+          <a:off x="0" y="0"/>
+          <a:ext cx="0" cy="0"/>
+          <a:chOff x="0" y="0"/>
+          <a:chExt cx="0" cy="0"/>
+        </a:xfrm>
+      </p:grpSpPr>
+      <p:sp>
+        <p:nvSpPr>
+          <p:cNvPr id="2" name="Content Placeholder 1">
+            <a:extLst>
+              <a:ext uri="{FF2B5EF4-FFF2-40B4-BE49-F238E27FC236}">
+                <a16:creationId xmlns:a16="http://schemas.microsoft.com/office/drawing/2014/main" id="{F80AF94D-9E48-53B5-D7E5-541E632FDAED}"/>
+              </a:ext>
+            </a:extLst>
+          </p:cNvPr>
+          <p:cNvSpPr>
+            <a:spLocks noGrp="1"/>
+          </p:cNvSpPr>
+          <p:nvPr>
+            <p:ph sz="quarter" idx="11"/>
+          </p:nvPr>
+        </p:nvSpPr>
+        <p:spPr/>
+        <p:txBody>
+          <a:bodyPr/>
+          <a:lstStyle/>
+          <a:p>
+            <a:r>
+              <a:rPr lang="en-US" dirty="0"/>
+              <a:t>Categorical data</a:t>
+            </a:r>
+          </a:p>
+          <a:p>
+            <a:endParaRPr lang="en-US" dirty="0"/>
+          </a:p>
+          <a:p>
+            <a:endParaRPr lang="en-US" dirty="0"/>
+          </a:p>
+          <a:p>
+            <a:r>
+              <a:rPr lang="en-US" dirty="0"/>
+              <a:t>Numerical data</a:t>
+            </a:r>
+          </a:p>
+        </p:txBody>
+      </p:sp>
+      <p:sp>
+        <p:nvSpPr>
+          <p:cNvPr id="3" name="Title 2">
+            <a:extLst>
+              <a:ext uri="{FF2B5EF4-FFF2-40B4-BE49-F238E27FC236}">
+                <a16:creationId xmlns:a16="http://schemas.microsoft.com/office/drawing/2014/main" id="{FC77F884-6A4A-F5BD-7A72-9D821066AEF2}"/>
+              </a:ext>
+            </a:extLst>
+          </p:cNvPr>
+          <p:cNvSpPr>
+            <a:spLocks noGrp="1"/>
+          </p:cNvSpPr>
+          <p:nvPr>
+            <p:ph type="title"/>
+          </p:nvPr>
+        </p:nvSpPr>
+        <p:spPr/>
+        <p:txBody>
+          <a:bodyPr>
+            <a:normAutofit fontScale="90000"/>
+          </a:bodyPr>
+          <a:lstStyle/>
+          <a:p>
+            <a:r>
+              <a:rPr lang="en-US" dirty="0">
+                <a:solidFill>
+                  <a:schemeClr val="accent6">
+                    <a:lumMod val="75000"/>
+                  </a:schemeClr>
+                </a:solidFill>
+              </a:rPr>
+              <a:t>Descriptive Statistics</a:t>
+            </a:r>
+            <a:br>
+              <a:rPr lang="en-US" dirty="0"/>
+            </a:br>
+            <a:r>
+              <a:rPr lang="en-US" dirty="0"/>
+              <a:t>Types of data</a:t>
+            </a:r>
+          </a:p>
+        </p:txBody>
+      </p:sp>
+      <p:sp>
+        <p:nvSpPr>
+          <p:cNvPr id="4" name="Footer Placeholder 3">
+            <a:extLst>
+              <a:ext uri="{FF2B5EF4-FFF2-40B4-BE49-F238E27FC236}">
+                <a16:creationId xmlns:a16="http://schemas.microsoft.com/office/drawing/2014/main" id="{310D5D68-5CAC-215F-7915-348891280F3A}"/>
+              </a:ext>
+            </a:extLst>
+          </p:cNvPr>
+          <p:cNvSpPr>
+            <a:spLocks noGrp="1"/>
+          </p:cNvSpPr>
+          <p:nvPr>
+            <p:ph type="ftr" sz="quarter" idx="12"/>
+          </p:nvPr>
+        </p:nvSpPr>
+        <p:spPr/>
+        <p:txBody>
+          <a:bodyPr/>
+          <a:lstStyle/>
+          <a:p>
+            <a:r>
+              <a:rPr lang="en-AU"/>
+              <a:t>Gentle Introduction to Machine Learning: Statistics</a:t>
+            </a:r>
+            <a:endParaRPr lang="en-AU" dirty="0"/>
+          </a:p>
+        </p:txBody>
+      </p:sp>
+      <p:sp>
+        <p:nvSpPr>
+          <p:cNvPr id="5" name="Slide Number Placeholder 4">
+            <a:extLst>
+              <a:ext uri="{FF2B5EF4-FFF2-40B4-BE49-F238E27FC236}">
+                <a16:creationId xmlns:a16="http://schemas.microsoft.com/office/drawing/2014/main" id="{901A570E-BC2C-1576-A38F-CF68F068FE06}"/>
+              </a:ext>
+            </a:extLst>
+          </p:cNvPr>
+          <p:cNvSpPr>
+            <a:spLocks noGrp="1"/>
+          </p:cNvSpPr>
+          <p:nvPr>
+            <p:ph type="sldNum" sz="quarter" idx="13"/>
+          </p:nvPr>
+        </p:nvSpPr>
+        <p:spPr/>
+        <p:txBody>
+          <a:bodyPr/>
+          <a:lstStyle/>
+          <a:p>
+            <a:fld id="{E917DE0E-AFB1-41FD-BC35-27DB61CA125F}" type="slidenum">
+              <a:rPr lang="en-AU" smtClean="0"/>
+              <a:pPr/>
+              <a:t>14</a:t>
+            </a:fld>
+            <a:endParaRPr lang="en-AU" dirty="0"/>
+          </a:p>
+        </p:txBody>
+      </p:sp>
+    </p:spTree>
+    <p:extLst>
+      <p:ext uri="{BB962C8B-B14F-4D97-AF65-F5344CB8AC3E}">
+        <p14:creationId xmlns:p14="http://schemas.microsoft.com/office/powerpoint/2010/main" val="3487969247"/>
+      </p:ext>
+    </p:extLst>
+  </p:cSld>
+  <p:clrMapOvr>
+    <a:masterClrMapping/>
+  </p:clrMapOvr>
+  <mc:AlternateContent xmlns:mc="http://schemas.openxmlformats.org/markup-compatibility/2006" xmlns:p14="http://schemas.microsoft.com/office/powerpoint/2010/main">
+    <mc:Choice Requires="p14">
+      <p:transition spd="med" p14:dur="700">
+        <p:fade/>
+      </p:transition>
+    </mc:Choice>
+    <mc:Fallback xmlns="">
+      <p:transition spd="med">
+        <p:fade/>
+      </p:transition>
+    </mc:Fallback>
+  </mc:AlternateContent>
+</p:sld>
+</file>
+
+<file path=ppt/slides/slide15.xml><?xml version="1.0" encoding="utf-8"?>
+<p:sld xmlns:a="http://schemas.openxmlformats.org/drawingml/2006/main" xmlns:r="http://schemas.openxmlformats.org/officeDocument/2006/relationships" xmlns:p="http://schemas.openxmlformats.org/presentationml/2006/main">
+  <p:cSld>
+    <p:spTree>
+      <p:nvGrpSpPr>
+        <p:cNvPr id="1" name=""/>
+        <p:cNvGrpSpPr/>
+        <p:nvPr/>
+      </p:nvGrpSpPr>
+      <p:grpSpPr>
+        <a:xfrm>
+          <a:off x="0" y="0"/>
+          <a:ext cx="0" cy="0"/>
+          <a:chOff x="0" y="0"/>
+          <a:chExt cx="0" cy="0"/>
+        </a:xfrm>
+      </p:grpSpPr>
+      <p:sp>
+        <p:nvSpPr>
+          <p:cNvPr id="2" name="Content Placeholder 1">
+            <a:extLst>
+              <a:ext uri="{FF2B5EF4-FFF2-40B4-BE49-F238E27FC236}">
+                <a16:creationId xmlns:a16="http://schemas.microsoft.com/office/drawing/2014/main" id="{AA0BDA2A-5C3F-C500-E893-236D827AC0ED}"/>
+              </a:ext>
+            </a:extLst>
+          </p:cNvPr>
+          <p:cNvSpPr>
+            <a:spLocks noGrp="1"/>
+          </p:cNvSpPr>
+          <p:nvPr>
+            <p:ph sz="quarter" idx="11"/>
+          </p:nvPr>
+        </p:nvSpPr>
+        <p:spPr/>
+        <p:txBody>
+          <a:bodyPr/>
+          <a:lstStyle/>
+          <a:p>
+            <a:r>
+              <a:rPr lang="en-US" dirty="0"/>
+              <a:t>Percentile</a:t>
+            </a:r>
+          </a:p>
+          <a:p>
+            <a:endParaRPr lang="en-US" dirty="0"/>
+          </a:p>
+          <a:p>
+            <a:r>
+              <a:rPr lang="en-US" dirty="0"/>
+              <a:t>Measures of Central Tendency</a:t>
+            </a:r>
+          </a:p>
+          <a:p>
+            <a:endParaRPr lang="en-US" dirty="0"/>
+          </a:p>
+          <a:p>
+            <a:r>
+              <a:rPr lang="en-US" dirty="0"/>
+              <a:t>Measures </a:t>
+            </a:r>
+            <a:r>
+              <a:rPr lang="en-US"/>
+              <a:t>of Variability</a:t>
+            </a:r>
+            <a:endParaRPr lang="en-US" dirty="0"/>
+          </a:p>
+        </p:txBody>
+      </p:sp>
+      <p:sp>
+        <p:nvSpPr>
+          <p:cNvPr id="3" name="Title 2">
+            <a:extLst>
+              <a:ext uri="{FF2B5EF4-FFF2-40B4-BE49-F238E27FC236}">
+                <a16:creationId xmlns:a16="http://schemas.microsoft.com/office/drawing/2014/main" id="{0DDAAD46-41C7-2AFE-D105-33F67EF668EB}"/>
+              </a:ext>
+            </a:extLst>
+          </p:cNvPr>
+          <p:cNvSpPr>
+            <a:spLocks noGrp="1"/>
+          </p:cNvSpPr>
+          <p:nvPr>
+            <p:ph type="title"/>
+          </p:nvPr>
+        </p:nvSpPr>
+        <p:spPr/>
+        <p:txBody>
+          <a:bodyPr>
+            <a:normAutofit fontScale="90000"/>
+          </a:bodyPr>
+          <a:lstStyle/>
+          <a:p>
+            <a:r>
+              <a:rPr lang="en-US" dirty="0">
+                <a:solidFill>
+                  <a:schemeClr val="accent6">
+                    <a:lumMod val="75000"/>
+                  </a:schemeClr>
+                </a:solidFill>
+              </a:rPr>
+              <a:t>Descriptive Statistics</a:t>
+            </a:r>
+            <a:br>
+              <a:rPr lang="en-US" dirty="0"/>
+            </a:br>
+            <a:r>
+              <a:rPr lang="en-US" dirty="0"/>
+              <a:t>Summarizing data</a:t>
+            </a:r>
+          </a:p>
+        </p:txBody>
+      </p:sp>
+      <p:sp>
+        <p:nvSpPr>
+          <p:cNvPr id="4" name="Footer Placeholder 3">
+            <a:extLst>
+              <a:ext uri="{FF2B5EF4-FFF2-40B4-BE49-F238E27FC236}">
+                <a16:creationId xmlns:a16="http://schemas.microsoft.com/office/drawing/2014/main" id="{75190E52-EA2F-E497-787B-64F348EE86CF}"/>
+              </a:ext>
+            </a:extLst>
+          </p:cNvPr>
+          <p:cNvSpPr>
+            <a:spLocks noGrp="1"/>
+          </p:cNvSpPr>
+          <p:nvPr>
+            <p:ph type="ftr" sz="quarter" idx="12"/>
+          </p:nvPr>
+        </p:nvSpPr>
+        <p:spPr/>
+        <p:txBody>
+          <a:bodyPr/>
+          <a:lstStyle/>
+          <a:p>
+            <a:r>
+              <a:rPr lang="en-AU"/>
+              <a:t>Gentle Introduction to Machine Learning: Statistics</a:t>
+            </a:r>
+            <a:endParaRPr lang="en-AU" dirty="0"/>
+          </a:p>
+        </p:txBody>
+      </p:sp>
+      <p:sp>
+        <p:nvSpPr>
+          <p:cNvPr id="5" name="Slide Number Placeholder 4">
+            <a:extLst>
+              <a:ext uri="{FF2B5EF4-FFF2-40B4-BE49-F238E27FC236}">
+                <a16:creationId xmlns:a16="http://schemas.microsoft.com/office/drawing/2014/main" id="{B903D30A-44E4-9238-DAE2-029D3CD84DF2}"/>
+              </a:ext>
+            </a:extLst>
+          </p:cNvPr>
+          <p:cNvSpPr>
+            <a:spLocks noGrp="1"/>
+          </p:cNvSpPr>
+          <p:nvPr>
+            <p:ph type="sldNum" sz="quarter" idx="13"/>
+          </p:nvPr>
+        </p:nvSpPr>
+        <p:spPr/>
+        <p:txBody>
+          <a:bodyPr/>
+          <a:lstStyle/>
+          <a:p>
+            <a:fld id="{E917DE0E-AFB1-41FD-BC35-27DB61CA125F}" type="slidenum">
+              <a:rPr lang="en-AU" smtClean="0"/>
+              <a:pPr/>
+              <a:t>15</a:t>
+            </a:fld>
+            <a:endParaRPr lang="en-AU" dirty="0"/>
+          </a:p>
+        </p:txBody>
+      </p:sp>
+    </p:spTree>
+    <p:extLst>
+      <p:ext uri="{BB962C8B-B14F-4D97-AF65-F5344CB8AC3E}">
+        <p14:creationId xmlns:p14="http://schemas.microsoft.com/office/powerpoint/2010/main" val="125345088"/>
+      </p:ext>
+    </p:extLst>
+  </p:cSld>
+  <p:clrMapOvr>
+    <a:masterClrMapping/>
+  </p:clrMapOvr>
+  <mc:AlternateContent xmlns:mc="http://schemas.openxmlformats.org/markup-compatibility/2006" xmlns:p14="http://schemas.microsoft.com/office/powerpoint/2010/main">
+    <mc:Choice Requires="p14">
+      <p:transition spd="med" p14:dur="700">
+        <p:fade/>
+      </p:transition>
+    </mc:Choice>
+    <mc:Fallback xmlns="">
+      <p:transition spd="med">
+        <p:fade/>
+      </p:transition>
+    </mc:Fallback>
+  </mc:AlternateContent>
+</p:sld>
+</file>
+
+<file path=ppt/slides/slide16.xml><?xml version="1.0" encoding="utf-8"?>
+<p:sld xmlns:a="http://schemas.openxmlformats.org/drawingml/2006/main" xmlns:r="http://schemas.openxmlformats.org/officeDocument/2006/relationships" xmlns:p="http://schemas.openxmlformats.org/presentationml/2006/main">
+  <p:cSld>
+    <p:spTree>
+      <p:nvGrpSpPr>
+        <p:cNvPr id="1" name=""/>
+        <p:cNvGrpSpPr/>
+        <p:nvPr/>
+      </p:nvGrpSpPr>
+      <p:grpSpPr>
+        <a:xfrm>
+          <a:off x="0" y="0"/>
+          <a:ext cx="0" cy="0"/>
+          <a:chOff x="0" y="0"/>
+          <a:chExt cx="0" cy="0"/>
+        </a:xfrm>
+      </p:grpSpPr>
+      <p:sp>
+        <p:nvSpPr>
+          <p:cNvPr id="2" name="Content Placeholder 1">
+            <a:extLst>
+              <a:ext uri="{FF2B5EF4-FFF2-40B4-BE49-F238E27FC236}">
+                <a16:creationId xmlns:a16="http://schemas.microsoft.com/office/drawing/2014/main" id="{12BAD4A2-1AAC-99FC-DC9F-564A9B103560}"/>
+              </a:ext>
+            </a:extLst>
+          </p:cNvPr>
+          <p:cNvSpPr>
+            <a:spLocks noGrp="1"/>
+          </p:cNvSpPr>
+          <p:nvPr>
+            <p:ph sz="quarter" idx="11"/>
+          </p:nvPr>
+        </p:nvSpPr>
+        <p:spPr/>
+        <p:txBody>
+          <a:bodyPr/>
+          <a:lstStyle/>
+          <a:p>
+            <a:endParaRPr lang="en-US" dirty="0"/>
+          </a:p>
+        </p:txBody>
+      </p:sp>
+      <p:sp>
+        <p:nvSpPr>
+          <p:cNvPr id="3" name="Title 2">
+            <a:extLst>
+              <a:ext uri="{FF2B5EF4-FFF2-40B4-BE49-F238E27FC236}">
+                <a16:creationId xmlns:a16="http://schemas.microsoft.com/office/drawing/2014/main" id="{FECC4C7A-A712-1EFE-3389-1601AC9ECF35}"/>
               </a:ext>
             </a:extLst>
           </p:cNvPr>
@@ -14941,10 +15501,7 @@
           <a:bodyPr/>
           <a:lstStyle/>
           <a:p>
-            <a:r>
-              <a:rPr lang="en-US" dirty="0"/>
-              <a:t>References</a:t>
-            </a:r>
+            <a:endParaRPr lang="en-US"/>
           </a:p>
         </p:txBody>
       </p:sp>
@@ -14953,7 +15510,7 @@
           <p:cNvPr id="4" name="Footer Placeholder 3">
             <a:extLst>
               <a:ext uri="{FF2B5EF4-FFF2-40B4-BE49-F238E27FC236}">
-                <a16:creationId xmlns:a16="http://schemas.microsoft.com/office/drawing/2014/main" id="{9A47D55F-C489-838E-FE8E-6AC1DFC3A48E}"/>
+                <a16:creationId xmlns:a16="http://schemas.microsoft.com/office/drawing/2014/main" id="{DB2C1E4E-A5FA-04AB-3E92-59D0BB22A76F}"/>
               </a:ext>
             </a:extLst>
           </p:cNvPr>
@@ -14982,7 +15539,7 @@
           <p:cNvPr id="5" name="Slide Number Placeholder 4">
             <a:extLst>
               <a:ext uri="{FF2B5EF4-FFF2-40B4-BE49-F238E27FC236}">
-                <a16:creationId xmlns:a16="http://schemas.microsoft.com/office/drawing/2014/main" id="{BD98123B-F02C-49C9-73C0-AE3D3E52DD2E}"/>
+                <a16:creationId xmlns:a16="http://schemas.microsoft.com/office/drawing/2014/main" id="{184D3F6E-6A3A-D0B9-C7F6-CEF5D01430C8}"/>
               </a:ext>
             </a:extLst>
           </p:cNvPr>
@@ -15001,7 +15558,189 @@
             <a:fld id="{E917DE0E-AFB1-41FD-BC35-27DB61CA125F}" type="slidenum">
               <a:rPr lang="en-AU" smtClean="0"/>
               <a:pPr/>
-              <a:t>13</a:t>
+              <a:t>16</a:t>
+            </a:fld>
+            <a:endParaRPr lang="en-AU" dirty="0"/>
+          </a:p>
+        </p:txBody>
+      </p:sp>
+    </p:spTree>
+    <p:extLst>
+      <p:ext uri="{BB962C8B-B14F-4D97-AF65-F5344CB8AC3E}">
+        <p14:creationId xmlns:p14="http://schemas.microsoft.com/office/powerpoint/2010/main" val="3955978685"/>
+      </p:ext>
+    </p:extLst>
+  </p:cSld>
+  <p:clrMapOvr>
+    <a:masterClrMapping/>
+  </p:clrMapOvr>
+  <mc:AlternateContent xmlns:mc="http://schemas.openxmlformats.org/markup-compatibility/2006" xmlns:p14="http://schemas.microsoft.com/office/powerpoint/2010/main">
+    <mc:Choice Requires="p14">
+      <p:transition spd="med" p14:dur="700">
+        <p:fade/>
+      </p:transition>
+    </mc:Choice>
+    <mc:Fallback xmlns="">
+      <p:transition spd="med">
+        <p:fade/>
+      </p:transition>
+    </mc:Fallback>
+  </mc:AlternateContent>
+</p:sld>
+</file>
+
+<file path=ppt/slides/slide17.xml><?xml version="1.0" encoding="utf-8"?>
+<p:sld xmlns:a="http://schemas.openxmlformats.org/drawingml/2006/main" xmlns:r="http://schemas.openxmlformats.org/officeDocument/2006/relationships" xmlns:p="http://schemas.openxmlformats.org/presentationml/2006/main">
+  <p:cSld>
+    <p:spTree>
+      <p:nvGrpSpPr>
+        <p:cNvPr id="1" name=""/>
+        <p:cNvGrpSpPr/>
+        <p:nvPr/>
+      </p:nvGrpSpPr>
+      <p:grpSpPr>
+        <a:xfrm>
+          <a:off x="0" y="0"/>
+          <a:ext cx="0" cy="0"/>
+          <a:chOff x="0" y="0"/>
+          <a:chExt cx="0" cy="0"/>
+        </a:xfrm>
+      </p:grpSpPr>
+      <p:sp>
+        <p:nvSpPr>
+          <p:cNvPr id="2" name="Content Placeholder 1">
+            <a:extLst>
+              <a:ext uri="{FF2B5EF4-FFF2-40B4-BE49-F238E27FC236}">
+                <a16:creationId xmlns:a16="http://schemas.microsoft.com/office/drawing/2014/main" id="{FE606215-910F-73DB-224D-60EEF77F96EE}"/>
+              </a:ext>
+            </a:extLst>
+          </p:cNvPr>
+          <p:cNvSpPr>
+            <a:spLocks noGrp="1"/>
+          </p:cNvSpPr>
+          <p:nvPr>
+            <p:ph sz="quarter" idx="11"/>
+          </p:nvPr>
+        </p:nvSpPr>
+        <p:spPr/>
+        <p:txBody>
+          <a:bodyPr/>
+          <a:lstStyle/>
+          <a:p>
+            <a:pPr marL="0" indent="0">
+              <a:buNone/>
+            </a:pPr>
+            <a:r>
+              <a:rPr lang="en-US" dirty="0"/>
+              <a:t>Upton, G., &amp; Cook, I. (2008). </a:t>
+            </a:r>
+            <a:r>
+              <a:rPr lang="en-US" i="1" dirty="0"/>
+              <a:t>A dictionary of statistics</a:t>
+            </a:r>
+            <a:r>
+              <a:rPr lang="en-US" dirty="0"/>
+              <a:t>. Oxford University Press. DOI: 10.1093/</a:t>
+            </a:r>
+            <a:r>
+              <a:rPr lang="en-US" dirty="0" err="1"/>
+              <a:t>acref</a:t>
+            </a:r>
+            <a:r>
+              <a:rPr lang="en-US" dirty="0"/>
+              <a:t>/9780199541454.001.000</a:t>
+            </a:r>
+          </a:p>
+          <a:p>
+            <a:pPr marL="0" indent="0">
+              <a:buNone/>
+            </a:pPr>
+            <a:endParaRPr lang="en-US" dirty="0"/>
+          </a:p>
+        </p:txBody>
+      </p:sp>
+      <p:sp>
+        <p:nvSpPr>
+          <p:cNvPr id="3" name="Title 2">
+            <a:extLst>
+              <a:ext uri="{FF2B5EF4-FFF2-40B4-BE49-F238E27FC236}">
+                <a16:creationId xmlns:a16="http://schemas.microsoft.com/office/drawing/2014/main" id="{3A8EF9BF-73F0-4A95-2839-CF0DEC25FA70}"/>
+              </a:ext>
+            </a:extLst>
+          </p:cNvPr>
+          <p:cNvSpPr>
+            <a:spLocks noGrp="1"/>
+          </p:cNvSpPr>
+          <p:nvPr>
+            <p:ph type="title"/>
+          </p:nvPr>
+        </p:nvSpPr>
+        <p:spPr/>
+        <p:txBody>
+          <a:bodyPr/>
+          <a:lstStyle/>
+          <a:p>
+            <a:r>
+              <a:rPr lang="en-US" dirty="0"/>
+              <a:t>References</a:t>
+            </a:r>
+          </a:p>
+        </p:txBody>
+      </p:sp>
+      <p:sp>
+        <p:nvSpPr>
+          <p:cNvPr id="4" name="Footer Placeholder 3">
+            <a:extLst>
+              <a:ext uri="{FF2B5EF4-FFF2-40B4-BE49-F238E27FC236}">
+                <a16:creationId xmlns:a16="http://schemas.microsoft.com/office/drawing/2014/main" id="{9A47D55F-C489-838E-FE8E-6AC1DFC3A48E}"/>
+              </a:ext>
+            </a:extLst>
+          </p:cNvPr>
+          <p:cNvSpPr>
+            <a:spLocks noGrp="1"/>
+          </p:cNvSpPr>
+          <p:nvPr>
+            <p:ph type="ftr" sz="quarter" idx="12"/>
+          </p:nvPr>
+        </p:nvSpPr>
+        <p:spPr/>
+        <p:txBody>
+          <a:bodyPr/>
+          <a:lstStyle/>
+          <a:p>
+            <a:r>
+              <a:rPr lang="en-AU"/>
+              <a:t>Gentle Introduction to Machine Learning: Statistics</a:t>
+            </a:r>
+            <a:endParaRPr lang="en-AU" dirty="0"/>
+          </a:p>
+        </p:txBody>
+      </p:sp>
+      <p:sp>
+        <p:nvSpPr>
+          <p:cNvPr id="5" name="Slide Number Placeholder 4">
+            <a:extLst>
+              <a:ext uri="{FF2B5EF4-FFF2-40B4-BE49-F238E27FC236}">
+                <a16:creationId xmlns:a16="http://schemas.microsoft.com/office/drawing/2014/main" id="{BD98123B-F02C-49C9-73C0-AE3D3E52DD2E}"/>
+              </a:ext>
+            </a:extLst>
+          </p:cNvPr>
+          <p:cNvSpPr>
+            <a:spLocks noGrp="1"/>
+          </p:cNvSpPr>
+          <p:nvPr>
+            <p:ph type="sldNum" sz="quarter" idx="13"/>
+          </p:nvPr>
+        </p:nvSpPr>
+        <p:spPr/>
+        <p:txBody>
+          <a:bodyPr/>
+          <a:lstStyle/>
+          <a:p>
+            <a:fld id="{E917DE0E-AFB1-41FD-BC35-27DB61CA125F}" type="slidenum">
+              <a:rPr lang="en-AU" smtClean="0"/>
+              <a:pPr/>
+              <a:t>17</a:t>
             </a:fld>
             <a:endParaRPr lang="en-AU" dirty="0"/>
           </a:p>
